--- a/chess.pptx
+++ b/chess.pptx
@@ -110,6 +110,14 @@
       </a:defRPr>
     </a:lvl9pPr>
   </p:defaultTextStyle>
+  <p:extLst>
+    <p:ext uri="{EFAFB233-063F-42B5-8137-9DF3F51BA10A}">
+      <p15:sldGuideLst xmlns:p15="http://schemas.microsoft.com/office/powerpoint/2012/main"/>
+    </p:ext>
+    <p:ext uri="{2D200454-40CA-4A62-9FC3-DE9A4176ACB9}">
+      <p15:notesGuideLst xmlns:p15="http://schemas.microsoft.com/office/powerpoint/2012/main"/>
+    </p:ext>
+  </p:extLst>
 </p:presentation>
 </file>
 
@@ -195,7 +203,7 @@
           <a:p>
             <a:fld id="{3204BC19-3EC9-5842-8E47-DC1039EDCDED}" type="datetimeFigureOut">
               <a:rPr lang="en-US" smtClean="0"/>
-              <a:t>3/14/22</a:t>
+              <a:t>3/16/22</a:t>
             </a:fld>
             <a:endParaRPr lang="en-US"/>
           </a:p>
@@ -506,7 +514,7 @@
           <a:bodyPr/>
           <a:lstStyle/>
           <a:p>
-            <a:endParaRPr lang="en-US"/>
+            <a:endParaRPr lang="en-US" dirty="0"/>
           </a:p>
         </p:txBody>
       </p:sp>
@@ -784,7 +792,7 @@
           <a:p>
             <a:fld id="{ED291B17-9318-49DB-B28B-6E5994AE9581}" type="datetime1">
               <a:rPr lang="en-US" smtClean="0"/>
-              <a:t>3/14/22</a:t>
+              <a:t>3/16/22</a:t>
             </a:fld>
             <a:endParaRPr lang="en-US" dirty="0"/>
           </a:p>
@@ -987,7 +995,7 @@
           <a:p>
             <a:fld id="{2CED4963-E985-44C4-B8C4-FDD613B7C2F8}" type="datetime1">
               <a:rPr lang="en-US" smtClean="0"/>
-              <a:t>3/14/22</a:t>
+              <a:t>3/16/22</a:t>
             </a:fld>
             <a:endParaRPr lang="en-US" dirty="0"/>
           </a:p>
@@ -1349,7 +1357,7 @@
           <a:p>
             <a:fld id="{ED291B17-9318-49DB-B28B-6E5994AE9581}" type="datetime1">
               <a:rPr lang="en-US" smtClean="0"/>
-              <a:t>3/14/22</a:t>
+              <a:t>3/16/22</a:t>
             </a:fld>
             <a:endParaRPr lang="en-US" dirty="0"/>
           </a:p>
@@ -1547,7 +1555,7 @@
           <a:p>
             <a:fld id="{78DD82B9-B8EE-4375-B6FF-88FA6ABB15D9}" type="datetime1">
               <a:rPr lang="en-US" smtClean="0"/>
-              <a:t>3/14/22</a:t>
+              <a:t>3/16/22</a:t>
             </a:fld>
             <a:endParaRPr lang="en-US" dirty="0"/>
           </a:p>
@@ -1859,7 +1867,7 @@
           <a:p>
             <a:fld id="{B2497495-0637-405E-AE64-5CC7506D51F5}" type="datetime1">
               <a:rPr lang="en-US" smtClean="0"/>
-              <a:t>3/14/22</a:t>
+              <a:t>3/16/22</a:t>
             </a:fld>
             <a:endParaRPr lang="en-US" dirty="0"/>
           </a:p>
@@ -2112,7 +2120,7 @@
           <a:p>
             <a:fld id="{7BFFD690-9426-415D-8B65-26881E07B2D4}" type="datetime1">
               <a:rPr lang="en-US" smtClean="0"/>
-              <a:t>3/14/22</a:t>
+              <a:t>3/16/22</a:t>
             </a:fld>
             <a:endParaRPr lang="en-US" dirty="0"/>
           </a:p>
@@ -2534,7 +2542,7 @@
           <a:p>
             <a:fld id="{04C4989A-474C-40DE-95B9-011C28B71673}" type="datetime1">
               <a:rPr lang="en-US" smtClean="0"/>
-              <a:t>3/14/22</a:t>
+              <a:t>3/16/22</a:t>
             </a:fld>
             <a:endParaRPr lang="en-US" dirty="0"/>
           </a:p>
@@ -2657,7 +2665,7 @@
           <a:p>
             <a:fld id="{5DB4ED54-5B5E-4A04-93D3-5772E3CE3818}" type="datetime1">
               <a:rPr lang="en-US" smtClean="0"/>
-              <a:t>3/14/22</a:t>
+              <a:t>3/16/22</a:t>
             </a:fld>
             <a:endParaRPr lang="en-US" dirty="0"/>
           </a:p>
@@ -2752,7 +2760,7 @@
           <a:p>
             <a:fld id="{4EDE50D6-574B-40AF-946F-D52A04ADE379}" type="datetime1">
               <a:rPr lang="en-US" smtClean="0"/>
-              <a:t>3/14/22</a:t>
+              <a:t>3/16/22</a:t>
             </a:fld>
             <a:endParaRPr lang="en-US" dirty="0"/>
           </a:p>
@@ -3129,7 +3137,7 @@
           <a:p>
             <a:fld id="{D82884F1-FFEA-405F-9602-3DCA865EDA4E}" type="datetime1">
               <a:rPr lang="en-US" smtClean="0"/>
-              <a:t>3/14/22</a:t>
+              <a:t>3/16/22</a:t>
             </a:fld>
             <a:endParaRPr lang="en-US" dirty="0"/>
           </a:p>
@@ -3422,7 +3430,7 @@
           <a:p>
             <a:fld id="{7E18DB4A-8810-4A10-AD5C-D5E2C667F5B3}" type="datetime1">
               <a:rPr lang="en-US" smtClean="0"/>
-              <a:t>3/14/22</a:t>
+              <a:t>3/16/22</a:t>
             </a:fld>
             <a:endParaRPr lang="en-US" dirty="0"/>
           </a:p>
@@ -3637,7 +3645,7 @@
           <a:p>
             <a:fld id="{ED291B17-9318-49DB-B28B-6E5994AE9581}" type="datetime1">
               <a:rPr lang="en-US" smtClean="0"/>
-              <a:t>3/14/22</a:t>
+              <a:t>3/16/22</a:t>
             </a:fld>
             <a:endParaRPr lang="en-US" dirty="0"/>
           </a:p>
@@ -4372,7 +4380,7 @@
         </p:blipFill>
         <p:spPr>
           <a:xfrm>
-            <a:off x="20" y="10"/>
+            <a:off x="0" y="68176"/>
             <a:ext cx="12191980" cy="6857990"/>
           </a:xfrm>
           <a:prstGeom prst="rect">
@@ -4398,8 +4406,8 @@
         </p:nvSpPr>
         <p:spPr>
           <a:xfrm>
-            <a:off x="347363" y="282921"/>
-            <a:ext cx="10225530" cy="1475013"/>
+            <a:off x="983235" y="264938"/>
+            <a:ext cx="10225530" cy="871418"/>
           </a:xfrm>
         </p:spPr>
         <p:txBody>
@@ -4408,6 +4416,7 @@
           </a:bodyPr>
           <a:lstStyle/>
           <a:p>
+            <a:pPr algn="ctr"/>
             <a:r>
               <a:rPr lang="en-US" sz="4000" dirty="0">
                 <a:solidFill>
@@ -4437,8 +4446,8 @@
         </p:nvSpPr>
         <p:spPr>
           <a:xfrm>
-            <a:off x="983235" y="2198883"/>
-            <a:ext cx="10225530" cy="590321"/>
+            <a:off x="983235" y="1818586"/>
+            <a:ext cx="10225530" cy="4427978"/>
           </a:xfrm>
         </p:spPr>
         <p:txBody>
@@ -4447,10 +4456,6 @@
           </a:bodyPr>
           <a:lstStyle/>
           <a:p>
-            <a:pPr marL="342900" indent="-342900">
-              <a:buFont typeface="Arial" panose="020B0604020202020204" pitchFamily="34" charset="0"/>
-              <a:buChar char="•"/>
-            </a:pPr>
             <a:r>
               <a:rPr lang="en-US" sz="2400" dirty="0">
                 <a:solidFill>
@@ -4459,6 +4464,85 @@
               </a:rPr>
               <a:t>Executive Summary</a:t>
             </a:r>
+          </a:p>
+          <a:p>
+            <a:endParaRPr lang="en-US" sz="2400" dirty="0">
+              <a:solidFill>
+                <a:schemeClr val="tx1"/>
+              </a:solidFill>
+            </a:endParaRPr>
+          </a:p>
+          <a:p>
+            <a:r>
+              <a:rPr lang="en-US" sz="2400" dirty="0">
+                <a:solidFill>
+                  <a:schemeClr val="tx1"/>
+                </a:solidFill>
+              </a:rPr>
+              <a:t>Deep Dive</a:t>
+            </a:r>
+          </a:p>
+          <a:p>
+            <a:endParaRPr lang="en-US" sz="2400" dirty="0">
+              <a:solidFill>
+                <a:schemeClr val="tx1"/>
+              </a:solidFill>
+            </a:endParaRPr>
+          </a:p>
+          <a:p>
+            <a:r>
+              <a:rPr lang="en-US" sz="2400" dirty="0">
+                <a:solidFill>
+                  <a:schemeClr val="tx1"/>
+                </a:solidFill>
+              </a:rPr>
+              <a:t>Women Statistics by Country</a:t>
+            </a:r>
+          </a:p>
+          <a:p>
+            <a:endParaRPr lang="en-US" sz="2400" dirty="0">
+              <a:solidFill>
+                <a:schemeClr val="tx1"/>
+              </a:solidFill>
+            </a:endParaRPr>
+          </a:p>
+          <a:p>
+            <a:r>
+              <a:rPr lang="en-US" sz="2400" dirty="0">
+                <a:solidFill>
+                  <a:schemeClr val="tx1"/>
+                </a:solidFill>
+              </a:rPr>
+              <a:t>Women Pro population</a:t>
+            </a:r>
+          </a:p>
+          <a:p>
+            <a:endParaRPr lang="en-US" sz="2400" dirty="0">
+              <a:solidFill>
+                <a:schemeClr val="tx1"/>
+              </a:solidFill>
+            </a:endParaRPr>
+          </a:p>
+          <a:p>
+            <a:endParaRPr lang="en-US" sz="2400" dirty="0">
+              <a:solidFill>
+                <a:schemeClr val="tx1"/>
+              </a:solidFill>
+            </a:endParaRPr>
+          </a:p>
+          <a:p>
+            <a:endParaRPr lang="en-US" sz="2400" dirty="0">
+              <a:solidFill>
+                <a:schemeClr val="tx1"/>
+              </a:solidFill>
+            </a:endParaRPr>
+          </a:p>
+          <a:p>
+            <a:endParaRPr lang="en-US" sz="2400" dirty="0">
+              <a:solidFill>
+                <a:schemeClr val="tx1"/>
+              </a:solidFill>
+            </a:endParaRPr>
           </a:p>
         </p:txBody>
       </p:sp>
@@ -4721,18 +4805,11 @@
             </a:lvl9pPr>
           </a:lstStyle>
           <a:p>
-            <a:pPr marL="342900" indent="-342900">
-              <a:buFont typeface="Arial" panose="020B0604020202020204" pitchFamily="34" charset="0"/>
-              <a:buChar char="•"/>
-            </a:pPr>
-            <a:r>
-              <a:rPr lang="en-US" sz="2400" dirty="0">
-                <a:solidFill>
-                  <a:schemeClr val="tx1"/>
-                </a:solidFill>
-              </a:rPr>
-              <a:t>Deep Dive</a:t>
-            </a:r>
+            <a:endParaRPr lang="en-US" sz="2400" dirty="0">
+              <a:solidFill>
+                <a:schemeClr val="tx1"/>
+              </a:solidFill>
+            </a:endParaRPr>
           </a:p>
         </p:txBody>
       </p:sp>
@@ -4995,18 +5072,11 @@
             </a:lvl9pPr>
           </a:lstStyle>
           <a:p>
-            <a:pPr marL="342900" indent="-342900">
-              <a:buFont typeface="Arial" panose="020B0604020202020204" pitchFamily="34" charset="0"/>
-              <a:buChar char="•"/>
-            </a:pPr>
-            <a:r>
-              <a:rPr lang="en-US" sz="2400" dirty="0">
-                <a:solidFill>
-                  <a:schemeClr val="tx1"/>
-                </a:solidFill>
-              </a:rPr>
-              <a:t>Women World Domination</a:t>
-            </a:r>
+            <a:endParaRPr lang="en-US" sz="2400" dirty="0">
+              <a:solidFill>
+                <a:schemeClr val="tx1"/>
+              </a:solidFill>
+            </a:endParaRPr>
           </a:p>
         </p:txBody>
       </p:sp>
@@ -5269,18 +5339,11 @@
             </a:lvl9pPr>
           </a:lstStyle>
           <a:p>
-            <a:pPr marL="342900" indent="-342900">
-              <a:buFont typeface="Arial" panose="020B0604020202020204" pitchFamily="34" charset="0"/>
-              <a:buChar char="•"/>
-            </a:pPr>
-            <a:r>
-              <a:rPr lang="en-US" sz="2400" dirty="0">
-                <a:solidFill>
-                  <a:schemeClr val="tx1"/>
-                </a:solidFill>
-              </a:rPr>
-              <a:t>Individual Domination</a:t>
-            </a:r>
+            <a:endParaRPr lang="en-US" sz="2400" dirty="0">
+              <a:solidFill>
+                <a:schemeClr val="tx1"/>
+              </a:solidFill>
+            </a:endParaRPr>
           </a:p>
         </p:txBody>
       </p:sp>
@@ -5624,7 +5687,7 @@
         </p:nvSpPr>
         <p:spPr>
           <a:xfrm>
-            <a:off x="8207827" y="1488347"/>
+            <a:off x="8447933" y="1509818"/>
             <a:ext cx="864339" cy="461665"/>
           </a:xfrm>
           <a:prstGeom prst="rect">
@@ -5729,9 +5792,9 @@
         <p:grpSpPr>
           <a:xfrm>
             <a:off x="7246938" y="3363385"/>
-            <a:ext cx="2708276" cy="1271588"/>
+            <a:ext cx="2865250" cy="1271588"/>
             <a:chOff x="7288249" y="3707945"/>
-            <a:chExt cx="2708276" cy="1271588"/>
+            <a:chExt cx="2865250" cy="1271588"/>
           </a:xfrm>
         </p:grpSpPr>
         <p:sp>
@@ -6024,8 +6087,8 @@
           </p:nvSpPr>
           <p:spPr>
             <a:xfrm>
-              <a:off x="7843838" y="4082780"/>
-              <a:ext cx="2018501" cy="461665"/>
+              <a:off x="7771104" y="4117389"/>
+              <a:ext cx="2382395" cy="400110"/>
             </a:xfrm>
             <a:prstGeom prst="rect">
               <a:avLst/>
@@ -6039,13 +6102,13 @@
             </a:scene3d>
           </p:spPr>
           <p:txBody>
-            <a:bodyPr wrap="none" rtlCol="0">
+            <a:bodyPr wrap="square" rtlCol="0">
               <a:spAutoFit/>
             </a:bodyPr>
             <a:lstStyle/>
             <a:p>
               <a:r>
-                <a:rPr lang="en-IN" sz="2400" b="1" dirty="0">
+                <a:rPr lang="en-IN" sz="2000" b="1" dirty="0">
                   <a:solidFill>
                     <a:schemeClr val="bg1"/>
                   </a:solidFill>
@@ -6057,7 +6120,7 @@
                     </a:outerShdw>
                   </a:effectLst>
                 </a:rPr>
-                <a:t>Recommend</a:t>
+                <a:t>Recommendation</a:t>
               </a:r>
             </a:p>
           </p:txBody>
@@ -6499,7 +6562,7 @@
               <a:pPr algn="r"/>
               <a:r>
                 <a:rPr lang="en-US" sz="1400" dirty="0"/>
-                <a:t>How can we increase the popularity of chess in the world? </a:t>
+                <a:t>Increase the popularity casual and advanced level of chess around the world </a:t>
               </a:r>
             </a:p>
           </p:txBody>
@@ -6589,20 +6652,14 @@
             </a:bodyPr>
             <a:lstStyle/>
             <a:p>
-              <a:pPr marL="285750" indent="-285750" algn="r">
-                <a:buFontTx/>
-                <a:buChar char="-"/>
-              </a:pPr>
+              <a:pPr algn="r"/>
               <a:r>
                 <a:rPr lang="en-US" sz="1400" dirty="0"/>
-                <a:t>Few countries make up the pro chess world </a:t>
+                <a:t>Most countries have 5k or less chess players</a:t>
               </a:r>
             </a:p>
             <a:p>
-              <a:pPr marL="285750" indent="-285750" algn="r">
-                <a:buFontTx/>
-                <a:buChar char="-"/>
-              </a:pPr>
+              <a:pPr algn="r"/>
               <a:r>
                 <a:rPr lang="en-US" sz="1400" dirty="0"/>
                 <a:t>A tiny percentage of women make up chess players globally</a:t>
@@ -6699,33 +6756,24 @@
             </a:bodyPr>
             <a:lstStyle/>
             <a:p>
-              <a:pPr marL="285750" indent="-285750" algn="r">
-                <a:buFontTx/>
-                <a:buChar char="-"/>
-              </a:pPr>
+              <a:pPr algn="r"/>
               <a:r>
                 <a:rPr lang="en-US" sz="1400" dirty="0"/>
-                <a:t>Increase physical chess sets to more countries</a:t>
+                <a:t>Supply physical chess sets to more countries</a:t>
               </a:r>
             </a:p>
             <a:p>
-              <a:pPr marL="285750" indent="-285750" algn="r">
-                <a:buFontTx/>
-                <a:buChar char="-"/>
-              </a:pPr>
+              <a:pPr algn="r"/>
               <a:r>
                 <a:rPr lang="en-US" sz="1400" dirty="0"/>
-                <a:t>Increase awareness among women players</a:t>
+                <a:t>Spread awareness among women players</a:t>
               </a:r>
             </a:p>
             <a:p>
-              <a:pPr marL="285750" indent="-285750" algn="r">
-                <a:buFontTx/>
-                <a:buChar char="-"/>
-              </a:pPr>
+              <a:pPr algn="r"/>
               <a:r>
                 <a:rPr lang="en-US" sz="1400" dirty="0"/>
-                <a:t>Increase chess tournaments with cash prizes</a:t>
+                <a:t>Host more chess tournaments with cash prizes</a:t>
               </a:r>
             </a:p>
           </p:txBody>
@@ -6745,10 +6793,10 @@
         </p:nvGrpSpPr>
         <p:grpSpPr>
           <a:xfrm>
-            <a:off x="1990427" y="4860680"/>
-            <a:ext cx="4175807" cy="971753"/>
+            <a:off x="1999805" y="4716925"/>
+            <a:ext cx="4175807" cy="756308"/>
             <a:chOff x="1642416" y="3343954"/>
-            <a:chExt cx="2177054" cy="893307"/>
+            <a:chExt cx="2177054" cy="695254"/>
           </a:xfrm>
         </p:grpSpPr>
         <p:sp>
@@ -6802,7 +6850,7 @@
           <p:spPr>
             <a:xfrm>
               <a:off x="1642416" y="3558226"/>
-              <a:ext cx="2160104" cy="679035"/>
+              <a:ext cx="2160104" cy="480982"/>
             </a:xfrm>
             <a:prstGeom prst="rect">
               <a:avLst/>
@@ -6815,20 +6863,14 @@
             </a:bodyPr>
             <a:lstStyle/>
             <a:p>
-              <a:pPr marL="285750" indent="-285750" algn="r">
-                <a:buFontTx/>
-                <a:buChar char="-"/>
-              </a:pPr>
+              <a:pPr algn="r"/>
               <a:r>
                 <a:rPr lang="en-US" sz="1400" dirty="0"/>
                 <a:t>An increase in the percentage of women pro players</a:t>
               </a:r>
             </a:p>
             <a:p>
-              <a:pPr marL="285750" indent="-285750" algn="r">
-                <a:buFontTx/>
-                <a:buChar char="-"/>
-              </a:pPr>
+              <a:pPr algn="r"/>
               <a:r>
                 <a:rPr lang="en-US" sz="1400" dirty="0"/>
                 <a:t>Increase in the popularity of chess </a:t>
@@ -7520,7 +7562,7 @@
         </p:nvSpPr>
         <p:spPr>
           <a:xfrm>
-            <a:off x="6166234" y="4945623"/>
+            <a:off x="6157195" y="4779346"/>
             <a:ext cx="55069" cy="800763"/>
           </a:xfrm>
           <a:prstGeom prst="rect">
@@ -7905,7 +7947,7 @@
                   <a:schemeClr val="tx1"/>
                 </a:solidFill>
               </a:rPr>
-              <a:t>More games are played between the ages 30 and 40 yrs. old of players above 1000 FIDE rating</a:t>
+              <a:t>Most countries have a low-density chess population</a:t>
             </a:r>
           </a:p>
           <a:p>
@@ -8272,7 +8314,7 @@
                   <a:schemeClr val="tx1"/>
                 </a:solidFill>
               </a:rPr>
-              <a:t>  Increase the media coverage of chess worldwide</a:t>
+              <a:t>  Increase access to chess sets in low chess player populations</a:t>
             </a:r>
           </a:p>
           <a:p>

--- a/chess.pptx
+++ b/chess.pptx
@@ -5,13 +5,14 @@
     <p:sldMasterId id="2147483699" r:id="rId1"/>
   </p:sldMasterIdLst>
   <p:notesMasterIdLst>
-    <p:notesMasterId r:id="rId6"/>
+    <p:notesMasterId r:id="rId7"/>
   </p:notesMasterIdLst>
   <p:sldIdLst>
-    <p:sldId id="256" r:id="rId2"/>
-    <p:sldId id="291" r:id="rId3"/>
-    <p:sldId id="292" r:id="rId4"/>
-    <p:sldId id="293" r:id="rId5"/>
+    <p:sldId id="294" r:id="rId2"/>
+    <p:sldId id="256" r:id="rId3"/>
+    <p:sldId id="291" r:id="rId4"/>
+    <p:sldId id="292" r:id="rId5"/>
+    <p:sldId id="293" r:id="rId6"/>
   </p:sldIdLst>
   <p:sldSz cx="12192000" cy="6858000"/>
   <p:notesSz cx="6858000" cy="9144000"/>
@@ -535,7 +536,7 @@
           <a:p>
             <a:fld id="{B8763733-0BF0-2D43-8FB7-E351DFBA7B1B}" type="slidenum">
               <a:rPr lang="en-US" smtClean="0"/>
-              <a:t>2</a:t>
+              <a:t>3</a:t>
             </a:fld>
             <a:endParaRPr lang="en-US"/>
           </a:p>
@@ -4380,7 +4381,7 @@
         </p:blipFill>
         <p:spPr>
           <a:xfrm>
-            <a:off x="0" y="68176"/>
+            <a:off x="20" y="68186"/>
             <a:ext cx="12191980" cy="6857990"/>
           </a:xfrm>
           <a:prstGeom prst="rect">
@@ -4423,7 +4424,7 @@
                   <a:schemeClr val="tx1"/>
                 </a:solidFill>
               </a:rPr>
-              <a:t>Agenda</a:t>
+              <a:t>Data Background</a:t>
             </a:r>
           </a:p>
         </p:txBody>
@@ -4446,25 +4447,15 @@
         </p:nvSpPr>
         <p:spPr>
           <a:xfrm>
-            <a:off x="983235" y="1818586"/>
-            <a:ext cx="10225530" cy="4427978"/>
+            <a:off x="983235" y="1333118"/>
+            <a:ext cx="10225530" cy="4913446"/>
           </a:xfrm>
         </p:spPr>
         <p:txBody>
           <a:bodyPr>
-            <a:normAutofit/>
+            <a:normAutofit fontScale="92500" lnSpcReduction="20000"/>
           </a:bodyPr>
           <a:lstStyle/>
-          <a:p>
-            <a:r>
-              <a:rPr lang="en-US" sz="2400" dirty="0">
-                <a:solidFill>
-                  <a:schemeClr val="tx1"/>
-                </a:solidFill>
-              </a:rPr>
-              <a:t>Executive Summary</a:t>
-            </a:r>
-          </a:p>
           <a:p>
             <a:endParaRPr lang="en-US" sz="2400" dirty="0">
               <a:solidFill>
@@ -4474,33 +4465,44 @@
           </a:p>
           <a:p>
             <a:r>
-              <a:rPr lang="en-US" sz="2400" dirty="0">
+              <a:rPr lang="en-US" sz="2600" dirty="0">
                 <a:solidFill>
                   <a:schemeClr val="tx1"/>
                 </a:solidFill>
               </a:rPr>
-              <a:t>Deep Dive</a:t>
-            </a:r>
-          </a:p>
-          <a:p>
-            <a:endParaRPr lang="en-US" sz="2400" dirty="0">
+              <a:t>Source</a:t>
+            </a:r>
+          </a:p>
+          <a:p>
+            <a:pPr marL="800100" lvl="1" indent="-342900" algn="l">
+              <a:buFont typeface="Wingdings" pitchFamily="2" charset="2"/>
+              <a:buChar char="§"/>
+            </a:pPr>
+            <a:r>
+              <a:rPr lang="en-US" sz="2600" dirty="0">
+                <a:solidFill>
+                  <a:schemeClr val="tx1"/>
+                </a:solidFill>
+              </a:rPr>
+              <a:t>Data scraped from chess-</a:t>
+            </a:r>
+            <a:r>
+              <a:rPr lang="en-US" sz="2600" dirty="0" err="1">
+                <a:solidFill>
+                  <a:schemeClr val="tx1"/>
+                </a:solidFill>
+              </a:rPr>
+              <a:t>ranking.com</a:t>
+            </a:r>
+            <a:endParaRPr lang="en-US" sz="2600" dirty="0">
               <a:solidFill>
                 <a:schemeClr val="tx1"/>
               </a:solidFill>
             </a:endParaRPr>
           </a:p>
           <a:p>
-            <a:r>
-              <a:rPr lang="en-US" sz="2400" dirty="0">
-                <a:solidFill>
-                  <a:schemeClr val="tx1"/>
-                </a:solidFill>
-              </a:rPr>
-              <a:t>Women Statistics by Country</a:t>
-            </a:r>
-          </a:p>
-          <a:p>
-            <a:endParaRPr lang="en-US" sz="2400" dirty="0">
+            <a:pPr lvl="1" algn="l"/>
+            <a:endParaRPr lang="en-US" sz="2600" dirty="0">
               <a:solidFill>
                 <a:schemeClr val="tx1"/>
               </a:solidFill>
@@ -4508,12 +4510,73 @@
           </a:p>
           <a:p>
             <a:r>
-              <a:rPr lang="en-US" sz="2400" dirty="0">
+              <a:rPr lang="en-US" sz="2600" dirty="0">
                 <a:solidFill>
                   <a:schemeClr val="tx1"/>
                 </a:solidFill>
               </a:rPr>
-              <a:t>Women Pro population</a:t>
+              <a:t>Dimensions</a:t>
+            </a:r>
+          </a:p>
+          <a:p>
+            <a:pPr marL="800100" lvl="1" indent="-342900" algn="l">
+              <a:buFont typeface="Arial" panose="020B0604020202020204" pitchFamily="34" charset="0"/>
+              <a:buChar char="•"/>
+            </a:pPr>
+            <a:r>
+              <a:rPr lang="en-US" sz="2600" dirty="0">
+                <a:solidFill>
+                  <a:schemeClr val="tx1"/>
+                </a:solidFill>
+              </a:rPr>
+              <a:t>16,800 Rows + 21 Columns</a:t>
+            </a:r>
+          </a:p>
+          <a:p>
+            <a:endParaRPr lang="en-US" sz="2600" dirty="0">
+              <a:solidFill>
+                <a:schemeClr val="tx1"/>
+              </a:solidFill>
+            </a:endParaRPr>
+          </a:p>
+          <a:p>
+            <a:r>
+              <a:rPr lang="en-US" sz="2600" dirty="0">
+                <a:solidFill>
+                  <a:schemeClr val="tx1"/>
+                </a:solidFill>
+              </a:rPr>
+              <a:t>Overview</a:t>
+            </a:r>
+          </a:p>
+          <a:p>
+            <a:pPr marL="800100" lvl="1" indent="-342900" algn="l">
+              <a:buFont typeface="Arial" panose="020B0604020202020204" pitchFamily="34" charset="0"/>
+              <a:buChar char="•"/>
+            </a:pPr>
+            <a:r>
+              <a:rPr lang="en-US" sz="2600" dirty="0">
+                <a:solidFill>
+                  <a:schemeClr val="tx1"/>
+                </a:solidFill>
+              </a:rPr>
+              <a:t>The data set was scraped from chess </a:t>
+            </a:r>
+            <a:r>
+              <a:rPr lang="en-US" sz="2600" dirty="0" err="1">
+                <a:solidFill>
+                  <a:schemeClr val="tx1"/>
+                </a:solidFill>
+              </a:rPr>
+              <a:t>ranking.com</a:t>
+            </a:r>
+            <a:r>
+              <a:rPr lang="en-US" sz="2600" dirty="0">
+                <a:solidFill>
+                  <a:schemeClr val="tx1"/>
+                </a:solidFill>
+              </a:rPr>
+              <a:t> which included pro players who are above 1000k FIDE score along with specific country statistics</a:t>
             </a:r>
           </a:p>
           <a:p>
@@ -5350,6 +5413,1094 @@
     </p:spTree>
     <p:extLst>
       <p:ext uri="{BB962C8B-B14F-4D97-AF65-F5344CB8AC3E}">
+        <p14:creationId xmlns:p14="http://schemas.microsoft.com/office/powerpoint/2010/main" val="3260083370"/>
+      </p:ext>
+    </p:extLst>
+  </p:cSld>
+  <p:clrMapOvr>
+    <a:overrideClrMapping bg1="dk1" tx1="lt1" bg2="dk2" tx2="lt2" accent1="accent1" accent2="accent2" accent3="accent3" accent4="accent4" accent5="accent5" accent6="accent6" hlink="hlink" folHlink="folHlink"/>
+  </p:clrMapOvr>
+</p:sld>
+</file>
+
+<file path=ppt/slides/slide2.xml><?xml version="1.0" encoding="utf-8"?>
+<p:sld xmlns:a="http://schemas.openxmlformats.org/drawingml/2006/main" xmlns:r="http://schemas.openxmlformats.org/officeDocument/2006/relationships" xmlns:p="http://schemas.openxmlformats.org/presentationml/2006/main">
+  <p:cSld>
+    <p:bg>
+      <p:bgPr>
+        <a:solidFill>
+          <a:schemeClr val="bg1"/>
+        </a:solidFill>
+        <a:effectLst/>
+      </p:bgPr>
+    </p:bg>
+    <p:spTree>
+      <p:nvGrpSpPr>
+        <p:cNvPr id="1" name=""/>
+        <p:cNvGrpSpPr/>
+        <p:nvPr/>
+      </p:nvGrpSpPr>
+      <p:grpSpPr>
+        <a:xfrm>
+          <a:off x="0" y="0"/>
+          <a:ext cx="0" cy="0"/>
+          <a:chOff x="0" y="0"/>
+          <a:chExt cx="0" cy="0"/>
+        </a:xfrm>
+      </p:grpSpPr>
+      <p:sp useBgFill="1">
+        <p:nvSpPr>
+          <p:cNvPr id="9" name="Rectangle 8">
+            <a:extLst>
+              <a:ext uri="{FF2B5EF4-FFF2-40B4-BE49-F238E27FC236}">
+                <a16:creationId xmlns:a16="http://schemas.microsoft.com/office/drawing/2014/main" id="{6B695AA2-4B70-477F-AF90-536B720A1343}"/>
+              </a:ext>
+              <a:ext uri="{C183D7F6-B498-43B3-948B-1728B52AA6E4}">
+                <adec:decorative xmlns:adec="http://schemas.microsoft.com/office/drawing/2017/decorative" val="1"/>
+              </a:ext>
+            </a:extLst>
+          </p:cNvPr>
+          <p:cNvSpPr>
+            <a:spLocks noGrp="1" noRot="1" noChangeAspect="1" noMove="1" noResize="1" noEditPoints="1" noAdjustHandles="1" noChangeArrowheads="1" noChangeShapeType="1" noTextEdit="1"/>
+          </p:cNvSpPr>
+          <p:nvPr>
+            <p:extLst>
+              <p:ext uri="{386F3935-93C4-4BCD-93E2-E3B085C9AB24}">
+                <p16:designElem xmlns:p16="http://schemas.microsoft.com/office/powerpoint/2015/main" val="1"/>
+              </p:ext>
+            </p:extLst>
+          </p:nvPr>
+        </p:nvSpPr>
+        <p:spPr>
+          <a:xfrm>
+            <a:off x="0" y="0"/>
+            <a:ext cx="12192000" cy="6858000"/>
+          </a:xfrm>
+          <a:prstGeom prst="rect">
+            <a:avLst/>
+          </a:prstGeom>
+          <a:ln>
+            <a:noFill/>
+          </a:ln>
+        </p:spPr>
+        <p:style>
+          <a:lnRef idx="2">
+            <a:schemeClr val="accent1">
+              <a:shade val="50000"/>
+            </a:schemeClr>
+          </a:lnRef>
+          <a:fillRef idx="1">
+            <a:schemeClr val="accent1"/>
+          </a:fillRef>
+          <a:effectRef idx="0">
+            <a:schemeClr val="accent1"/>
+          </a:effectRef>
+          <a:fontRef idx="minor">
+            <a:schemeClr val="lt1"/>
+          </a:fontRef>
+        </p:style>
+        <p:txBody>
+          <a:bodyPr rtlCol="0" anchor="ctr"/>
+          <a:lstStyle/>
+          <a:p>
+            <a:pPr algn="ctr"/>
+            <a:endParaRPr lang="en-US"/>
+          </a:p>
+        </p:txBody>
+      </p:sp>
+      <p:pic>
+        <p:nvPicPr>
+          <p:cNvPr id="4" name="Picture 3">
+            <a:extLst>
+              <a:ext uri="{FF2B5EF4-FFF2-40B4-BE49-F238E27FC236}">
+                <a16:creationId xmlns:a16="http://schemas.microsoft.com/office/drawing/2014/main" id="{81208D08-3232-0F8F-26DF-986566948383}"/>
+              </a:ext>
+            </a:extLst>
+          </p:cNvPr>
+          <p:cNvPicPr>
+            <a:picLocks noChangeAspect="1"/>
+          </p:cNvPicPr>
+          <p:nvPr/>
+        </p:nvPicPr>
+        <p:blipFill rotWithShape="1">
+          <a:blip r:embed="rId2">
+            <a:alphaModFix amt="40000"/>
+          </a:blip>
+          <a:srcRect/>
+          <a:stretch/>
+        </p:blipFill>
+        <p:spPr>
+          <a:xfrm>
+            <a:off x="0" y="68176"/>
+            <a:ext cx="12191980" cy="6857990"/>
+          </a:xfrm>
+          <a:prstGeom prst="rect">
+            <a:avLst/>
+          </a:prstGeom>
+        </p:spPr>
+      </p:pic>
+      <p:sp>
+        <p:nvSpPr>
+          <p:cNvPr id="2" name="Title 1">
+            <a:extLst>
+              <a:ext uri="{FF2B5EF4-FFF2-40B4-BE49-F238E27FC236}">
+                <a16:creationId xmlns:a16="http://schemas.microsoft.com/office/drawing/2014/main" id="{3B2F5082-C36A-4646-981B-3F370AC1C655}"/>
+              </a:ext>
+            </a:extLst>
+          </p:cNvPr>
+          <p:cNvSpPr>
+            <a:spLocks noGrp="1"/>
+          </p:cNvSpPr>
+          <p:nvPr>
+            <p:ph type="ctrTitle"/>
+          </p:nvPr>
+        </p:nvSpPr>
+        <p:spPr>
+          <a:xfrm>
+            <a:off x="983235" y="264938"/>
+            <a:ext cx="10225530" cy="871418"/>
+          </a:xfrm>
+        </p:spPr>
+        <p:txBody>
+          <a:bodyPr>
+            <a:normAutofit/>
+          </a:bodyPr>
+          <a:lstStyle/>
+          <a:p>
+            <a:pPr algn="ctr"/>
+            <a:r>
+              <a:rPr lang="en-US" sz="4000" dirty="0">
+                <a:solidFill>
+                  <a:schemeClr val="tx1"/>
+                </a:solidFill>
+              </a:rPr>
+              <a:t>Agenda</a:t>
+            </a:r>
+          </a:p>
+        </p:txBody>
+      </p:sp>
+      <p:sp>
+        <p:nvSpPr>
+          <p:cNvPr id="3" name="Subtitle 2">
+            <a:extLst>
+              <a:ext uri="{FF2B5EF4-FFF2-40B4-BE49-F238E27FC236}">
+                <a16:creationId xmlns:a16="http://schemas.microsoft.com/office/drawing/2014/main" id="{09CA24D4-F361-1B4E-B356-591389B80AC8}"/>
+              </a:ext>
+            </a:extLst>
+          </p:cNvPr>
+          <p:cNvSpPr>
+            <a:spLocks noGrp="1"/>
+          </p:cNvSpPr>
+          <p:nvPr>
+            <p:ph type="subTitle" idx="1"/>
+          </p:nvPr>
+        </p:nvSpPr>
+        <p:spPr>
+          <a:xfrm>
+            <a:off x="983235" y="1818586"/>
+            <a:ext cx="10225530" cy="4427978"/>
+          </a:xfrm>
+        </p:spPr>
+        <p:txBody>
+          <a:bodyPr>
+            <a:normAutofit/>
+          </a:bodyPr>
+          <a:lstStyle/>
+          <a:p>
+            <a:r>
+              <a:rPr lang="en-US" sz="2400" dirty="0">
+                <a:solidFill>
+                  <a:schemeClr val="tx1"/>
+                </a:solidFill>
+              </a:rPr>
+              <a:t>Executive Summary</a:t>
+            </a:r>
+          </a:p>
+          <a:p>
+            <a:endParaRPr lang="en-US" sz="2400" dirty="0">
+              <a:solidFill>
+                <a:schemeClr val="tx1"/>
+              </a:solidFill>
+            </a:endParaRPr>
+          </a:p>
+          <a:p>
+            <a:r>
+              <a:rPr lang="en-US" sz="2400" dirty="0">
+                <a:solidFill>
+                  <a:schemeClr val="tx1"/>
+                </a:solidFill>
+              </a:rPr>
+              <a:t>Deep Dive</a:t>
+            </a:r>
+          </a:p>
+          <a:p>
+            <a:endParaRPr lang="en-US" sz="2400" dirty="0">
+              <a:solidFill>
+                <a:schemeClr val="tx1"/>
+              </a:solidFill>
+            </a:endParaRPr>
+          </a:p>
+          <a:p>
+            <a:r>
+              <a:rPr lang="en-US" sz="2400" dirty="0">
+                <a:solidFill>
+                  <a:schemeClr val="tx1"/>
+                </a:solidFill>
+              </a:rPr>
+              <a:t>Women Statistics by Country</a:t>
+            </a:r>
+          </a:p>
+          <a:p>
+            <a:endParaRPr lang="en-US" sz="2400" dirty="0">
+              <a:solidFill>
+                <a:schemeClr val="tx1"/>
+              </a:solidFill>
+            </a:endParaRPr>
+          </a:p>
+          <a:p>
+            <a:r>
+              <a:rPr lang="en-US" sz="2400" dirty="0">
+                <a:solidFill>
+                  <a:schemeClr val="tx1"/>
+                </a:solidFill>
+              </a:rPr>
+              <a:t>Women Pro population</a:t>
+            </a:r>
+          </a:p>
+          <a:p>
+            <a:endParaRPr lang="en-US" sz="2400" dirty="0">
+              <a:solidFill>
+                <a:schemeClr val="tx1"/>
+              </a:solidFill>
+            </a:endParaRPr>
+          </a:p>
+          <a:p>
+            <a:endParaRPr lang="en-US" sz="2400" dirty="0">
+              <a:solidFill>
+                <a:schemeClr val="tx1"/>
+              </a:solidFill>
+            </a:endParaRPr>
+          </a:p>
+          <a:p>
+            <a:endParaRPr lang="en-US" sz="2400" dirty="0">
+              <a:solidFill>
+                <a:schemeClr val="tx1"/>
+              </a:solidFill>
+            </a:endParaRPr>
+          </a:p>
+          <a:p>
+            <a:endParaRPr lang="en-US" sz="2400" dirty="0">
+              <a:solidFill>
+                <a:schemeClr val="tx1"/>
+              </a:solidFill>
+            </a:endParaRPr>
+          </a:p>
+        </p:txBody>
+      </p:sp>
+      <p:sp>
+        <p:nvSpPr>
+          <p:cNvPr id="6" name="Subtitle 2">
+            <a:extLst>
+              <a:ext uri="{FF2B5EF4-FFF2-40B4-BE49-F238E27FC236}">
+                <a16:creationId xmlns:a16="http://schemas.microsoft.com/office/drawing/2014/main" id="{CA8CDD41-E338-8546-8C84-0C071E56FE9C}"/>
+              </a:ext>
+            </a:extLst>
+          </p:cNvPr>
+          <p:cNvSpPr txBox="1">
+            <a:spLocks/>
+          </p:cNvSpPr>
+          <p:nvPr/>
+        </p:nvSpPr>
+        <p:spPr>
+          <a:xfrm>
+            <a:off x="1610778" y="2848027"/>
+            <a:ext cx="10225530" cy="590321"/>
+          </a:xfrm>
+          <a:prstGeom prst="rect">
+            <a:avLst/>
+          </a:prstGeom>
+        </p:spPr>
+        <p:txBody>
+          <a:bodyPr vert="horz" lIns="91440" tIns="45720" rIns="91440" bIns="45720" rtlCol="0" anchor="t">
+            <a:normAutofit/>
+          </a:bodyPr>
+          <a:lstStyle>
+            <a:lvl1pPr marL="0" indent="0" algn="l" defTabSz="457200" rtl="0" eaLnBrk="1" latinLnBrk="0" hangingPunct="1">
+              <a:lnSpc>
+                <a:spcPct val="100000"/>
+              </a:lnSpc>
+              <a:spcBef>
+                <a:spcPct val="20000"/>
+              </a:spcBef>
+              <a:spcAft>
+                <a:spcPts val="600"/>
+              </a:spcAft>
+              <a:buClr>
+                <a:schemeClr val="accent1"/>
+              </a:buClr>
+              <a:buSzPct val="92000"/>
+              <a:buFont typeface="Wingdings 2" panose="05020102010507070707" pitchFamily="18" charset="2"/>
+              <a:buNone/>
+              <a:defRPr sz="1600" kern="1200" cap="all">
+                <a:solidFill>
+                  <a:schemeClr val="accent1"/>
+                </a:solidFill>
+                <a:latin typeface="+mn-lt"/>
+                <a:ea typeface="+mn-ea"/>
+                <a:cs typeface="+mn-cs"/>
+              </a:defRPr>
+            </a:lvl1pPr>
+            <a:lvl2pPr marL="457200" indent="0" algn="ctr" defTabSz="457200" rtl="0" eaLnBrk="1" latinLnBrk="0" hangingPunct="1">
+              <a:lnSpc>
+                <a:spcPct val="100000"/>
+              </a:lnSpc>
+              <a:spcBef>
+                <a:spcPct val="20000"/>
+              </a:spcBef>
+              <a:spcAft>
+                <a:spcPts val="600"/>
+              </a:spcAft>
+              <a:buClr>
+                <a:schemeClr val="accent1"/>
+              </a:buClr>
+              <a:buSzPct val="92000"/>
+              <a:buFont typeface="Wingdings 2" panose="05020102010507070707" pitchFamily="18" charset="2"/>
+              <a:buNone/>
+              <a:defRPr sz="1600" kern="1200">
+                <a:solidFill>
+                  <a:schemeClr val="tx1">
+                    <a:tint val="75000"/>
+                  </a:schemeClr>
+                </a:solidFill>
+                <a:latin typeface="+mn-lt"/>
+                <a:ea typeface="+mn-ea"/>
+                <a:cs typeface="+mn-cs"/>
+              </a:defRPr>
+            </a:lvl2pPr>
+            <a:lvl3pPr marL="914400" indent="0" algn="ctr" defTabSz="457200" rtl="0" eaLnBrk="1" latinLnBrk="0" hangingPunct="1">
+              <a:lnSpc>
+                <a:spcPct val="100000"/>
+              </a:lnSpc>
+              <a:spcBef>
+                <a:spcPct val="20000"/>
+              </a:spcBef>
+              <a:spcAft>
+                <a:spcPts val="600"/>
+              </a:spcAft>
+              <a:buClr>
+                <a:schemeClr val="accent1"/>
+              </a:buClr>
+              <a:buSzPct val="92000"/>
+              <a:buFont typeface="Wingdings 2" panose="05020102010507070707" pitchFamily="18" charset="2"/>
+              <a:buNone/>
+              <a:defRPr sz="1400" kern="1200">
+                <a:solidFill>
+                  <a:schemeClr val="tx1">
+                    <a:tint val="75000"/>
+                  </a:schemeClr>
+                </a:solidFill>
+                <a:latin typeface="+mn-lt"/>
+                <a:ea typeface="+mn-ea"/>
+                <a:cs typeface="+mn-cs"/>
+              </a:defRPr>
+            </a:lvl3pPr>
+            <a:lvl4pPr marL="1371600" indent="0" algn="ctr" defTabSz="457200" rtl="0" eaLnBrk="1" latinLnBrk="0" hangingPunct="1">
+              <a:lnSpc>
+                <a:spcPct val="100000"/>
+              </a:lnSpc>
+              <a:spcBef>
+                <a:spcPct val="20000"/>
+              </a:spcBef>
+              <a:spcAft>
+                <a:spcPts val="600"/>
+              </a:spcAft>
+              <a:buClr>
+                <a:schemeClr val="accent1"/>
+              </a:buClr>
+              <a:buSzPct val="92000"/>
+              <a:buFont typeface="Wingdings 2" panose="05020102010507070707" pitchFamily="18" charset="2"/>
+              <a:buNone/>
+              <a:defRPr sz="1200" kern="1200">
+                <a:solidFill>
+                  <a:schemeClr val="tx1">
+                    <a:tint val="75000"/>
+                  </a:schemeClr>
+                </a:solidFill>
+                <a:latin typeface="+mn-lt"/>
+                <a:ea typeface="+mn-ea"/>
+                <a:cs typeface="+mn-cs"/>
+              </a:defRPr>
+            </a:lvl4pPr>
+            <a:lvl5pPr marL="1828800" indent="0" algn="ctr" defTabSz="457200" rtl="0" eaLnBrk="1" latinLnBrk="0" hangingPunct="1">
+              <a:lnSpc>
+                <a:spcPct val="100000"/>
+              </a:lnSpc>
+              <a:spcBef>
+                <a:spcPct val="20000"/>
+              </a:spcBef>
+              <a:spcAft>
+                <a:spcPts val="600"/>
+              </a:spcAft>
+              <a:buClr>
+                <a:schemeClr val="accent1"/>
+              </a:buClr>
+              <a:buSzPct val="92000"/>
+              <a:buFont typeface="Wingdings 2" panose="05020102010507070707" pitchFamily="18" charset="2"/>
+              <a:buNone/>
+              <a:defRPr sz="1200" kern="1200">
+                <a:solidFill>
+                  <a:schemeClr val="tx1">
+                    <a:tint val="75000"/>
+                  </a:schemeClr>
+                </a:solidFill>
+                <a:latin typeface="+mn-lt"/>
+                <a:ea typeface="+mn-ea"/>
+                <a:cs typeface="+mn-cs"/>
+              </a:defRPr>
+            </a:lvl5pPr>
+            <a:lvl6pPr marL="2286000" indent="0" algn="ctr" defTabSz="457200" rtl="0" eaLnBrk="1" latinLnBrk="0" hangingPunct="1">
+              <a:spcBef>
+                <a:spcPct val="20000"/>
+              </a:spcBef>
+              <a:spcAft>
+                <a:spcPts val="600"/>
+              </a:spcAft>
+              <a:buClr>
+                <a:schemeClr val="accent2"/>
+              </a:buClr>
+              <a:buSzPct val="92000"/>
+              <a:buFont typeface="Wingdings 2" panose="05020102010507070707" pitchFamily="18" charset="2"/>
+              <a:buNone/>
+              <a:defRPr sz="1200" kern="1200">
+                <a:solidFill>
+                  <a:schemeClr val="tx1">
+                    <a:tint val="75000"/>
+                  </a:schemeClr>
+                </a:solidFill>
+                <a:latin typeface="+mn-lt"/>
+                <a:ea typeface="+mn-ea"/>
+                <a:cs typeface="+mn-cs"/>
+              </a:defRPr>
+            </a:lvl6pPr>
+            <a:lvl7pPr marL="2743200" indent="0" algn="ctr" defTabSz="457200" rtl="0" eaLnBrk="1" latinLnBrk="0" hangingPunct="1">
+              <a:spcBef>
+                <a:spcPct val="20000"/>
+              </a:spcBef>
+              <a:spcAft>
+                <a:spcPts val="600"/>
+              </a:spcAft>
+              <a:buClr>
+                <a:schemeClr val="accent2"/>
+              </a:buClr>
+              <a:buSzPct val="92000"/>
+              <a:buFont typeface="Wingdings 2" panose="05020102010507070707" pitchFamily="18" charset="2"/>
+              <a:buNone/>
+              <a:defRPr sz="1200" kern="1200">
+                <a:solidFill>
+                  <a:schemeClr val="tx1">
+                    <a:tint val="75000"/>
+                  </a:schemeClr>
+                </a:solidFill>
+                <a:latin typeface="+mn-lt"/>
+                <a:ea typeface="+mn-ea"/>
+                <a:cs typeface="+mn-cs"/>
+              </a:defRPr>
+            </a:lvl7pPr>
+            <a:lvl8pPr marL="3200400" indent="0" algn="ctr" defTabSz="457200" rtl="0" eaLnBrk="1" latinLnBrk="0" hangingPunct="1">
+              <a:spcBef>
+                <a:spcPct val="20000"/>
+              </a:spcBef>
+              <a:spcAft>
+                <a:spcPts val="600"/>
+              </a:spcAft>
+              <a:buClr>
+                <a:schemeClr val="accent2"/>
+              </a:buClr>
+              <a:buSzPct val="92000"/>
+              <a:buFont typeface="Wingdings 2" panose="05020102010507070707" pitchFamily="18" charset="2"/>
+              <a:buNone/>
+              <a:defRPr sz="1200" kern="1200">
+                <a:solidFill>
+                  <a:schemeClr val="tx1">
+                    <a:tint val="75000"/>
+                  </a:schemeClr>
+                </a:solidFill>
+                <a:latin typeface="+mn-lt"/>
+                <a:ea typeface="+mn-ea"/>
+                <a:cs typeface="+mn-cs"/>
+              </a:defRPr>
+            </a:lvl8pPr>
+            <a:lvl9pPr marL="3657600" indent="0" algn="ctr" defTabSz="457200" rtl="0" eaLnBrk="1" latinLnBrk="0" hangingPunct="1">
+              <a:spcBef>
+                <a:spcPct val="20000"/>
+              </a:spcBef>
+              <a:spcAft>
+                <a:spcPts val="600"/>
+              </a:spcAft>
+              <a:buClr>
+                <a:schemeClr val="accent2"/>
+              </a:buClr>
+              <a:buSzPct val="92000"/>
+              <a:buFont typeface="Wingdings 2" panose="05020102010507070707" pitchFamily="18" charset="2"/>
+              <a:buNone/>
+              <a:defRPr sz="1200" kern="1200">
+                <a:solidFill>
+                  <a:schemeClr val="tx1">
+                    <a:tint val="75000"/>
+                  </a:schemeClr>
+                </a:solidFill>
+                <a:latin typeface="+mn-lt"/>
+                <a:ea typeface="+mn-ea"/>
+                <a:cs typeface="+mn-cs"/>
+              </a:defRPr>
+            </a:lvl9pPr>
+          </a:lstStyle>
+          <a:p>
+            <a:endParaRPr lang="en-US" sz="2400" dirty="0">
+              <a:solidFill>
+                <a:schemeClr val="tx1"/>
+              </a:solidFill>
+            </a:endParaRPr>
+          </a:p>
+        </p:txBody>
+      </p:sp>
+      <p:sp>
+        <p:nvSpPr>
+          <p:cNvPr id="7" name="Subtitle 2">
+            <a:extLst>
+              <a:ext uri="{FF2B5EF4-FFF2-40B4-BE49-F238E27FC236}">
+                <a16:creationId xmlns:a16="http://schemas.microsoft.com/office/drawing/2014/main" id="{952F34D6-7D8C-4E47-9B3D-AFF9CA034908}"/>
+              </a:ext>
+            </a:extLst>
+          </p:cNvPr>
+          <p:cNvSpPr txBox="1">
+            <a:spLocks/>
+          </p:cNvSpPr>
+          <p:nvPr/>
+        </p:nvSpPr>
+        <p:spPr>
+          <a:xfrm>
+            <a:off x="2128435" y="3497171"/>
+            <a:ext cx="10225530" cy="590321"/>
+          </a:xfrm>
+          <a:prstGeom prst="rect">
+            <a:avLst/>
+          </a:prstGeom>
+        </p:spPr>
+        <p:txBody>
+          <a:bodyPr vert="horz" lIns="91440" tIns="45720" rIns="91440" bIns="45720" rtlCol="0" anchor="t">
+            <a:normAutofit/>
+          </a:bodyPr>
+          <a:lstStyle>
+            <a:lvl1pPr marL="0" indent="0" algn="l" defTabSz="457200" rtl="0" eaLnBrk="1" latinLnBrk="0" hangingPunct="1">
+              <a:lnSpc>
+                <a:spcPct val="100000"/>
+              </a:lnSpc>
+              <a:spcBef>
+                <a:spcPct val="20000"/>
+              </a:spcBef>
+              <a:spcAft>
+                <a:spcPts val="600"/>
+              </a:spcAft>
+              <a:buClr>
+                <a:schemeClr val="accent1"/>
+              </a:buClr>
+              <a:buSzPct val="92000"/>
+              <a:buFont typeface="Wingdings 2" panose="05020102010507070707" pitchFamily="18" charset="2"/>
+              <a:buNone/>
+              <a:defRPr sz="1600" kern="1200" cap="all">
+                <a:solidFill>
+                  <a:schemeClr val="accent1"/>
+                </a:solidFill>
+                <a:latin typeface="+mn-lt"/>
+                <a:ea typeface="+mn-ea"/>
+                <a:cs typeface="+mn-cs"/>
+              </a:defRPr>
+            </a:lvl1pPr>
+            <a:lvl2pPr marL="457200" indent="0" algn="ctr" defTabSz="457200" rtl="0" eaLnBrk="1" latinLnBrk="0" hangingPunct="1">
+              <a:lnSpc>
+                <a:spcPct val="100000"/>
+              </a:lnSpc>
+              <a:spcBef>
+                <a:spcPct val="20000"/>
+              </a:spcBef>
+              <a:spcAft>
+                <a:spcPts val="600"/>
+              </a:spcAft>
+              <a:buClr>
+                <a:schemeClr val="accent1"/>
+              </a:buClr>
+              <a:buSzPct val="92000"/>
+              <a:buFont typeface="Wingdings 2" panose="05020102010507070707" pitchFamily="18" charset="2"/>
+              <a:buNone/>
+              <a:defRPr sz="1600" kern="1200">
+                <a:solidFill>
+                  <a:schemeClr val="tx1">
+                    <a:tint val="75000"/>
+                  </a:schemeClr>
+                </a:solidFill>
+                <a:latin typeface="+mn-lt"/>
+                <a:ea typeface="+mn-ea"/>
+                <a:cs typeface="+mn-cs"/>
+              </a:defRPr>
+            </a:lvl2pPr>
+            <a:lvl3pPr marL="914400" indent="0" algn="ctr" defTabSz="457200" rtl="0" eaLnBrk="1" latinLnBrk="0" hangingPunct="1">
+              <a:lnSpc>
+                <a:spcPct val="100000"/>
+              </a:lnSpc>
+              <a:spcBef>
+                <a:spcPct val="20000"/>
+              </a:spcBef>
+              <a:spcAft>
+                <a:spcPts val="600"/>
+              </a:spcAft>
+              <a:buClr>
+                <a:schemeClr val="accent1"/>
+              </a:buClr>
+              <a:buSzPct val="92000"/>
+              <a:buFont typeface="Wingdings 2" panose="05020102010507070707" pitchFamily="18" charset="2"/>
+              <a:buNone/>
+              <a:defRPr sz="1400" kern="1200">
+                <a:solidFill>
+                  <a:schemeClr val="tx1">
+                    <a:tint val="75000"/>
+                  </a:schemeClr>
+                </a:solidFill>
+                <a:latin typeface="+mn-lt"/>
+                <a:ea typeface="+mn-ea"/>
+                <a:cs typeface="+mn-cs"/>
+              </a:defRPr>
+            </a:lvl3pPr>
+            <a:lvl4pPr marL="1371600" indent="0" algn="ctr" defTabSz="457200" rtl="0" eaLnBrk="1" latinLnBrk="0" hangingPunct="1">
+              <a:lnSpc>
+                <a:spcPct val="100000"/>
+              </a:lnSpc>
+              <a:spcBef>
+                <a:spcPct val="20000"/>
+              </a:spcBef>
+              <a:spcAft>
+                <a:spcPts val="600"/>
+              </a:spcAft>
+              <a:buClr>
+                <a:schemeClr val="accent1"/>
+              </a:buClr>
+              <a:buSzPct val="92000"/>
+              <a:buFont typeface="Wingdings 2" panose="05020102010507070707" pitchFamily="18" charset="2"/>
+              <a:buNone/>
+              <a:defRPr sz="1200" kern="1200">
+                <a:solidFill>
+                  <a:schemeClr val="tx1">
+                    <a:tint val="75000"/>
+                  </a:schemeClr>
+                </a:solidFill>
+                <a:latin typeface="+mn-lt"/>
+                <a:ea typeface="+mn-ea"/>
+                <a:cs typeface="+mn-cs"/>
+              </a:defRPr>
+            </a:lvl4pPr>
+            <a:lvl5pPr marL="1828800" indent="0" algn="ctr" defTabSz="457200" rtl="0" eaLnBrk="1" latinLnBrk="0" hangingPunct="1">
+              <a:lnSpc>
+                <a:spcPct val="100000"/>
+              </a:lnSpc>
+              <a:spcBef>
+                <a:spcPct val="20000"/>
+              </a:spcBef>
+              <a:spcAft>
+                <a:spcPts val="600"/>
+              </a:spcAft>
+              <a:buClr>
+                <a:schemeClr val="accent1"/>
+              </a:buClr>
+              <a:buSzPct val="92000"/>
+              <a:buFont typeface="Wingdings 2" panose="05020102010507070707" pitchFamily="18" charset="2"/>
+              <a:buNone/>
+              <a:defRPr sz="1200" kern="1200">
+                <a:solidFill>
+                  <a:schemeClr val="tx1">
+                    <a:tint val="75000"/>
+                  </a:schemeClr>
+                </a:solidFill>
+                <a:latin typeface="+mn-lt"/>
+                <a:ea typeface="+mn-ea"/>
+                <a:cs typeface="+mn-cs"/>
+              </a:defRPr>
+            </a:lvl5pPr>
+            <a:lvl6pPr marL="2286000" indent="0" algn="ctr" defTabSz="457200" rtl="0" eaLnBrk="1" latinLnBrk="0" hangingPunct="1">
+              <a:spcBef>
+                <a:spcPct val="20000"/>
+              </a:spcBef>
+              <a:spcAft>
+                <a:spcPts val="600"/>
+              </a:spcAft>
+              <a:buClr>
+                <a:schemeClr val="accent2"/>
+              </a:buClr>
+              <a:buSzPct val="92000"/>
+              <a:buFont typeface="Wingdings 2" panose="05020102010507070707" pitchFamily="18" charset="2"/>
+              <a:buNone/>
+              <a:defRPr sz="1200" kern="1200">
+                <a:solidFill>
+                  <a:schemeClr val="tx1">
+                    <a:tint val="75000"/>
+                  </a:schemeClr>
+                </a:solidFill>
+                <a:latin typeface="+mn-lt"/>
+                <a:ea typeface="+mn-ea"/>
+                <a:cs typeface="+mn-cs"/>
+              </a:defRPr>
+            </a:lvl6pPr>
+            <a:lvl7pPr marL="2743200" indent="0" algn="ctr" defTabSz="457200" rtl="0" eaLnBrk="1" latinLnBrk="0" hangingPunct="1">
+              <a:spcBef>
+                <a:spcPct val="20000"/>
+              </a:spcBef>
+              <a:spcAft>
+                <a:spcPts val="600"/>
+              </a:spcAft>
+              <a:buClr>
+                <a:schemeClr val="accent2"/>
+              </a:buClr>
+              <a:buSzPct val="92000"/>
+              <a:buFont typeface="Wingdings 2" panose="05020102010507070707" pitchFamily="18" charset="2"/>
+              <a:buNone/>
+              <a:defRPr sz="1200" kern="1200">
+                <a:solidFill>
+                  <a:schemeClr val="tx1">
+                    <a:tint val="75000"/>
+                  </a:schemeClr>
+                </a:solidFill>
+                <a:latin typeface="+mn-lt"/>
+                <a:ea typeface="+mn-ea"/>
+                <a:cs typeface="+mn-cs"/>
+              </a:defRPr>
+            </a:lvl7pPr>
+            <a:lvl8pPr marL="3200400" indent="0" algn="ctr" defTabSz="457200" rtl="0" eaLnBrk="1" latinLnBrk="0" hangingPunct="1">
+              <a:spcBef>
+                <a:spcPct val="20000"/>
+              </a:spcBef>
+              <a:spcAft>
+                <a:spcPts val="600"/>
+              </a:spcAft>
+              <a:buClr>
+                <a:schemeClr val="accent2"/>
+              </a:buClr>
+              <a:buSzPct val="92000"/>
+              <a:buFont typeface="Wingdings 2" panose="05020102010507070707" pitchFamily="18" charset="2"/>
+              <a:buNone/>
+              <a:defRPr sz="1200" kern="1200">
+                <a:solidFill>
+                  <a:schemeClr val="tx1">
+                    <a:tint val="75000"/>
+                  </a:schemeClr>
+                </a:solidFill>
+                <a:latin typeface="+mn-lt"/>
+                <a:ea typeface="+mn-ea"/>
+                <a:cs typeface="+mn-cs"/>
+              </a:defRPr>
+            </a:lvl8pPr>
+            <a:lvl9pPr marL="3657600" indent="0" algn="ctr" defTabSz="457200" rtl="0" eaLnBrk="1" latinLnBrk="0" hangingPunct="1">
+              <a:spcBef>
+                <a:spcPct val="20000"/>
+              </a:spcBef>
+              <a:spcAft>
+                <a:spcPts val="600"/>
+              </a:spcAft>
+              <a:buClr>
+                <a:schemeClr val="accent2"/>
+              </a:buClr>
+              <a:buSzPct val="92000"/>
+              <a:buFont typeface="Wingdings 2" panose="05020102010507070707" pitchFamily="18" charset="2"/>
+              <a:buNone/>
+              <a:defRPr sz="1200" kern="1200">
+                <a:solidFill>
+                  <a:schemeClr val="tx1">
+                    <a:tint val="75000"/>
+                  </a:schemeClr>
+                </a:solidFill>
+                <a:latin typeface="+mn-lt"/>
+                <a:ea typeface="+mn-ea"/>
+                <a:cs typeface="+mn-cs"/>
+              </a:defRPr>
+            </a:lvl9pPr>
+          </a:lstStyle>
+          <a:p>
+            <a:endParaRPr lang="en-US" sz="2400" dirty="0">
+              <a:solidFill>
+                <a:schemeClr val="tx1"/>
+              </a:solidFill>
+            </a:endParaRPr>
+          </a:p>
+        </p:txBody>
+      </p:sp>
+      <p:sp>
+        <p:nvSpPr>
+          <p:cNvPr id="8" name="Subtitle 2">
+            <a:extLst>
+              <a:ext uri="{FF2B5EF4-FFF2-40B4-BE49-F238E27FC236}">
+                <a16:creationId xmlns:a16="http://schemas.microsoft.com/office/drawing/2014/main" id="{D1CE3764-40F9-FA43-94E0-F3472252B900}"/>
+              </a:ext>
+            </a:extLst>
+          </p:cNvPr>
+          <p:cNvSpPr txBox="1">
+            <a:spLocks/>
+          </p:cNvSpPr>
+          <p:nvPr/>
+        </p:nvSpPr>
+        <p:spPr>
+          <a:xfrm>
+            <a:off x="2706550" y="4102595"/>
+            <a:ext cx="10225530" cy="590321"/>
+          </a:xfrm>
+          <a:prstGeom prst="rect">
+            <a:avLst/>
+          </a:prstGeom>
+        </p:spPr>
+        <p:txBody>
+          <a:bodyPr vert="horz" lIns="91440" tIns="45720" rIns="91440" bIns="45720" rtlCol="0" anchor="t">
+            <a:normAutofit/>
+          </a:bodyPr>
+          <a:lstStyle>
+            <a:lvl1pPr marL="0" indent="0" algn="l" defTabSz="457200" rtl="0" eaLnBrk="1" latinLnBrk="0" hangingPunct="1">
+              <a:lnSpc>
+                <a:spcPct val="100000"/>
+              </a:lnSpc>
+              <a:spcBef>
+                <a:spcPct val="20000"/>
+              </a:spcBef>
+              <a:spcAft>
+                <a:spcPts val="600"/>
+              </a:spcAft>
+              <a:buClr>
+                <a:schemeClr val="accent1"/>
+              </a:buClr>
+              <a:buSzPct val="92000"/>
+              <a:buFont typeface="Wingdings 2" panose="05020102010507070707" pitchFamily="18" charset="2"/>
+              <a:buNone/>
+              <a:defRPr sz="1600" kern="1200" cap="all">
+                <a:solidFill>
+                  <a:schemeClr val="accent1"/>
+                </a:solidFill>
+                <a:latin typeface="+mn-lt"/>
+                <a:ea typeface="+mn-ea"/>
+                <a:cs typeface="+mn-cs"/>
+              </a:defRPr>
+            </a:lvl1pPr>
+            <a:lvl2pPr marL="457200" indent="0" algn="ctr" defTabSz="457200" rtl="0" eaLnBrk="1" latinLnBrk="0" hangingPunct="1">
+              <a:lnSpc>
+                <a:spcPct val="100000"/>
+              </a:lnSpc>
+              <a:spcBef>
+                <a:spcPct val="20000"/>
+              </a:spcBef>
+              <a:spcAft>
+                <a:spcPts val="600"/>
+              </a:spcAft>
+              <a:buClr>
+                <a:schemeClr val="accent1"/>
+              </a:buClr>
+              <a:buSzPct val="92000"/>
+              <a:buFont typeface="Wingdings 2" panose="05020102010507070707" pitchFamily="18" charset="2"/>
+              <a:buNone/>
+              <a:defRPr sz="1600" kern="1200">
+                <a:solidFill>
+                  <a:schemeClr val="tx1">
+                    <a:tint val="75000"/>
+                  </a:schemeClr>
+                </a:solidFill>
+                <a:latin typeface="+mn-lt"/>
+                <a:ea typeface="+mn-ea"/>
+                <a:cs typeface="+mn-cs"/>
+              </a:defRPr>
+            </a:lvl2pPr>
+            <a:lvl3pPr marL="914400" indent="0" algn="ctr" defTabSz="457200" rtl="0" eaLnBrk="1" latinLnBrk="0" hangingPunct="1">
+              <a:lnSpc>
+                <a:spcPct val="100000"/>
+              </a:lnSpc>
+              <a:spcBef>
+                <a:spcPct val="20000"/>
+              </a:spcBef>
+              <a:spcAft>
+                <a:spcPts val="600"/>
+              </a:spcAft>
+              <a:buClr>
+                <a:schemeClr val="accent1"/>
+              </a:buClr>
+              <a:buSzPct val="92000"/>
+              <a:buFont typeface="Wingdings 2" panose="05020102010507070707" pitchFamily="18" charset="2"/>
+              <a:buNone/>
+              <a:defRPr sz="1400" kern="1200">
+                <a:solidFill>
+                  <a:schemeClr val="tx1">
+                    <a:tint val="75000"/>
+                  </a:schemeClr>
+                </a:solidFill>
+                <a:latin typeface="+mn-lt"/>
+                <a:ea typeface="+mn-ea"/>
+                <a:cs typeface="+mn-cs"/>
+              </a:defRPr>
+            </a:lvl3pPr>
+            <a:lvl4pPr marL="1371600" indent="0" algn="ctr" defTabSz="457200" rtl="0" eaLnBrk="1" latinLnBrk="0" hangingPunct="1">
+              <a:lnSpc>
+                <a:spcPct val="100000"/>
+              </a:lnSpc>
+              <a:spcBef>
+                <a:spcPct val="20000"/>
+              </a:spcBef>
+              <a:spcAft>
+                <a:spcPts val="600"/>
+              </a:spcAft>
+              <a:buClr>
+                <a:schemeClr val="accent1"/>
+              </a:buClr>
+              <a:buSzPct val="92000"/>
+              <a:buFont typeface="Wingdings 2" panose="05020102010507070707" pitchFamily="18" charset="2"/>
+              <a:buNone/>
+              <a:defRPr sz="1200" kern="1200">
+                <a:solidFill>
+                  <a:schemeClr val="tx1">
+                    <a:tint val="75000"/>
+                  </a:schemeClr>
+                </a:solidFill>
+                <a:latin typeface="+mn-lt"/>
+                <a:ea typeface="+mn-ea"/>
+                <a:cs typeface="+mn-cs"/>
+              </a:defRPr>
+            </a:lvl4pPr>
+            <a:lvl5pPr marL="1828800" indent="0" algn="ctr" defTabSz="457200" rtl="0" eaLnBrk="1" latinLnBrk="0" hangingPunct="1">
+              <a:lnSpc>
+                <a:spcPct val="100000"/>
+              </a:lnSpc>
+              <a:spcBef>
+                <a:spcPct val="20000"/>
+              </a:spcBef>
+              <a:spcAft>
+                <a:spcPts val="600"/>
+              </a:spcAft>
+              <a:buClr>
+                <a:schemeClr val="accent1"/>
+              </a:buClr>
+              <a:buSzPct val="92000"/>
+              <a:buFont typeface="Wingdings 2" panose="05020102010507070707" pitchFamily="18" charset="2"/>
+              <a:buNone/>
+              <a:defRPr sz="1200" kern="1200">
+                <a:solidFill>
+                  <a:schemeClr val="tx1">
+                    <a:tint val="75000"/>
+                  </a:schemeClr>
+                </a:solidFill>
+                <a:latin typeface="+mn-lt"/>
+                <a:ea typeface="+mn-ea"/>
+                <a:cs typeface="+mn-cs"/>
+              </a:defRPr>
+            </a:lvl5pPr>
+            <a:lvl6pPr marL="2286000" indent="0" algn="ctr" defTabSz="457200" rtl="0" eaLnBrk="1" latinLnBrk="0" hangingPunct="1">
+              <a:spcBef>
+                <a:spcPct val="20000"/>
+              </a:spcBef>
+              <a:spcAft>
+                <a:spcPts val="600"/>
+              </a:spcAft>
+              <a:buClr>
+                <a:schemeClr val="accent2"/>
+              </a:buClr>
+              <a:buSzPct val="92000"/>
+              <a:buFont typeface="Wingdings 2" panose="05020102010507070707" pitchFamily="18" charset="2"/>
+              <a:buNone/>
+              <a:defRPr sz="1200" kern="1200">
+                <a:solidFill>
+                  <a:schemeClr val="tx1">
+                    <a:tint val="75000"/>
+                  </a:schemeClr>
+                </a:solidFill>
+                <a:latin typeface="+mn-lt"/>
+                <a:ea typeface="+mn-ea"/>
+                <a:cs typeface="+mn-cs"/>
+              </a:defRPr>
+            </a:lvl6pPr>
+            <a:lvl7pPr marL="2743200" indent="0" algn="ctr" defTabSz="457200" rtl="0" eaLnBrk="1" latinLnBrk="0" hangingPunct="1">
+              <a:spcBef>
+                <a:spcPct val="20000"/>
+              </a:spcBef>
+              <a:spcAft>
+                <a:spcPts val="600"/>
+              </a:spcAft>
+              <a:buClr>
+                <a:schemeClr val="accent2"/>
+              </a:buClr>
+              <a:buSzPct val="92000"/>
+              <a:buFont typeface="Wingdings 2" panose="05020102010507070707" pitchFamily="18" charset="2"/>
+              <a:buNone/>
+              <a:defRPr sz="1200" kern="1200">
+                <a:solidFill>
+                  <a:schemeClr val="tx1">
+                    <a:tint val="75000"/>
+                  </a:schemeClr>
+                </a:solidFill>
+                <a:latin typeface="+mn-lt"/>
+                <a:ea typeface="+mn-ea"/>
+                <a:cs typeface="+mn-cs"/>
+              </a:defRPr>
+            </a:lvl7pPr>
+            <a:lvl8pPr marL="3200400" indent="0" algn="ctr" defTabSz="457200" rtl="0" eaLnBrk="1" latinLnBrk="0" hangingPunct="1">
+              <a:spcBef>
+                <a:spcPct val="20000"/>
+              </a:spcBef>
+              <a:spcAft>
+                <a:spcPts val="600"/>
+              </a:spcAft>
+              <a:buClr>
+                <a:schemeClr val="accent2"/>
+              </a:buClr>
+              <a:buSzPct val="92000"/>
+              <a:buFont typeface="Wingdings 2" panose="05020102010507070707" pitchFamily="18" charset="2"/>
+              <a:buNone/>
+              <a:defRPr sz="1200" kern="1200">
+                <a:solidFill>
+                  <a:schemeClr val="tx1">
+                    <a:tint val="75000"/>
+                  </a:schemeClr>
+                </a:solidFill>
+                <a:latin typeface="+mn-lt"/>
+                <a:ea typeface="+mn-ea"/>
+                <a:cs typeface="+mn-cs"/>
+              </a:defRPr>
+            </a:lvl8pPr>
+            <a:lvl9pPr marL="3657600" indent="0" algn="ctr" defTabSz="457200" rtl="0" eaLnBrk="1" latinLnBrk="0" hangingPunct="1">
+              <a:spcBef>
+                <a:spcPct val="20000"/>
+              </a:spcBef>
+              <a:spcAft>
+                <a:spcPts val="600"/>
+              </a:spcAft>
+              <a:buClr>
+                <a:schemeClr val="accent2"/>
+              </a:buClr>
+              <a:buSzPct val="92000"/>
+              <a:buFont typeface="Wingdings 2" panose="05020102010507070707" pitchFamily="18" charset="2"/>
+              <a:buNone/>
+              <a:defRPr sz="1200" kern="1200">
+                <a:solidFill>
+                  <a:schemeClr val="tx1">
+                    <a:tint val="75000"/>
+                  </a:schemeClr>
+                </a:solidFill>
+                <a:latin typeface="+mn-lt"/>
+                <a:ea typeface="+mn-ea"/>
+                <a:cs typeface="+mn-cs"/>
+              </a:defRPr>
+            </a:lvl9pPr>
+          </a:lstStyle>
+          <a:p>
+            <a:endParaRPr lang="en-US" sz="2400" dirty="0">
+              <a:solidFill>
+                <a:schemeClr val="tx1"/>
+              </a:solidFill>
+            </a:endParaRPr>
+          </a:p>
+        </p:txBody>
+      </p:sp>
+    </p:spTree>
+    <p:extLst>
+      <p:ext uri="{BB962C8B-B14F-4D97-AF65-F5344CB8AC3E}">
         <p14:creationId xmlns:p14="http://schemas.microsoft.com/office/powerpoint/2010/main" val="118613088"/>
       </p:ext>
     </p:extLst>
@@ -5360,7 +6511,7 @@
 </p:sld>
 </file>
 
-<file path=ppt/slides/slide2.xml><?xml version="1.0" encoding="utf-8"?>
+<file path=ppt/slides/slide3.xml><?xml version="1.0" encoding="utf-8"?>
 <p:sld xmlns:a="http://schemas.openxmlformats.org/drawingml/2006/main" xmlns:r="http://schemas.openxmlformats.org/officeDocument/2006/relationships" xmlns:p="http://schemas.openxmlformats.org/presentationml/2006/main">
   <p:cSld>
     <p:spTree>
@@ -7739,7 +8890,7 @@
 </p:sld>
 </file>
 
-<file path=ppt/slides/slide3.xml><?xml version="1.0" encoding="utf-8"?>
+<file path=ppt/slides/slide4.xml><?xml version="1.0" encoding="utf-8"?>
 <p:sld xmlns:a="http://schemas.openxmlformats.org/drawingml/2006/main" xmlns:r="http://schemas.openxmlformats.org/officeDocument/2006/relationships" xmlns:p="http://schemas.openxmlformats.org/presentationml/2006/main">
   <p:cSld>
     <p:bg>
@@ -8958,7 +10109,7 @@
 </p:sld>
 </file>
 
-<file path=ppt/slides/slide4.xml><?xml version="1.0" encoding="utf-8"?>
+<file path=ppt/slides/slide5.xml><?xml version="1.0" encoding="utf-8"?>
 <p:sld xmlns:a="http://schemas.openxmlformats.org/drawingml/2006/main" xmlns:r="http://schemas.openxmlformats.org/officeDocument/2006/relationships" xmlns:p="http://schemas.openxmlformats.org/presentationml/2006/main">
   <p:cSld>
     <p:bg>

--- a/chess.pptx
+++ b/chess.pptx
@@ -204,7 +204,7 @@
           <a:p>
             <a:fld id="{3204BC19-3EC9-5842-8E47-DC1039EDCDED}" type="datetimeFigureOut">
               <a:rPr lang="en-US" smtClean="0"/>
-              <a:t>3/16/22</a:t>
+              <a:t>3/18/22</a:t>
             </a:fld>
             <a:endParaRPr lang="en-US"/>
           </a:p>
@@ -793,7 +793,7 @@
           <a:p>
             <a:fld id="{ED291B17-9318-49DB-B28B-6E5994AE9581}" type="datetime1">
               <a:rPr lang="en-US" smtClean="0"/>
-              <a:t>3/16/22</a:t>
+              <a:t>3/18/22</a:t>
             </a:fld>
             <a:endParaRPr lang="en-US" dirty="0"/>
           </a:p>
@@ -996,7 +996,7 @@
           <a:p>
             <a:fld id="{2CED4963-E985-44C4-B8C4-FDD613B7C2F8}" type="datetime1">
               <a:rPr lang="en-US" smtClean="0"/>
-              <a:t>3/16/22</a:t>
+              <a:t>3/18/22</a:t>
             </a:fld>
             <a:endParaRPr lang="en-US" dirty="0"/>
           </a:p>
@@ -1358,7 +1358,7 @@
           <a:p>
             <a:fld id="{ED291B17-9318-49DB-B28B-6E5994AE9581}" type="datetime1">
               <a:rPr lang="en-US" smtClean="0"/>
-              <a:t>3/16/22</a:t>
+              <a:t>3/18/22</a:t>
             </a:fld>
             <a:endParaRPr lang="en-US" dirty="0"/>
           </a:p>
@@ -1556,7 +1556,7 @@
           <a:p>
             <a:fld id="{78DD82B9-B8EE-4375-B6FF-88FA6ABB15D9}" type="datetime1">
               <a:rPr lang="en-US" smtClean="0"/>
-              <a:t>3/16/22</a:t>
+              <a:t>3/18/22</a:t>
             </a:fld>
             <a:endParaRPr lang="en-US" dirty="0"/>
           </a:p>
@@ -1868,7 +1868,7 @@
           <a:p>
             <a:fld id="{B2497495-0637-405E-AE64-5CC7506D51F5}" type="datetime1">
               <a:rPr lang="en-US" smtClean="0"/>
-              <a:t>3/16/22</a:t>
+              <a:t>3/18/22</a:t>
             </a:fld>
             <a:endParaRPr lang="en-US" dirty="0"/>
           </a:p>
@@ -2121,7 +2121,7 @@
           <a:p>
             <a:fld id="{7BFFD690-9426-415D-8B65-26881E07B2D4}" type="datetime1">
               <a:rPr lang="en-US" smtClean="0"/>
-              <a:t>3/16/22</a:t>
+              <a:t>3/18/22</a:t>
             </a:fld>
             <a:endParaRPr lang="en-US" dirty="0"/>
           </a:p>
@@ -2543,7 +2543,7 @@
           <a:p>
             <a:fld id="{04C4989A-474C-40DE-95B9-011C28B71673}" type="datetime1">
               <a:rPr lang="en-US" smtClean="0"/>
-              <a:t>3/16/22</a:t>
+              <a:t>3/18/22</a:t>
             </a:fld>
             <a:endParaRPr lang="en-US" dirty="0"/>
           </a:p>
@@ -2666,7 +2666,7 @@
           <a:p>
             <a:fld id="{5DB4ED54-5B5E-4A04-93D3-5772E3CE3818}" type="datetime1">
               <a:rPr lang="en-US" smtClean="0"/>
-              <a:t>3/16/22</a:t>
+              <a:t>3/18/22</a:t>
             </a:fld>
             <a:endParaRPr lang="en-US" dirty="0"/>
           </a:p>
@@ -2761,7 +2761,7 @@
           <a:p>
             <a:fld id="{4EDE50D6-574B-40AF-946F-D52A04ADE379}" type="datetime1">
               <a:rPr lang="en-US" smtClean="0"/>
-              <a:t>3/16/22</a:t>
+              <a:t>3/18/22</a:t>
             </a:fld>
             <a:endParaRPr lang="en-US" dirty="0"/>
           </a:p>
@@ -3138,7 +3138,7 @@
           <a:p>
             <a:fld id="{D82884F1-FFEA-405F-9602-3DCA865EDA4E}" type="datetime1">
               <a:rPr lang="en-US" smtClean="0"/>
-              <a:t>3/16/22</a:t>
+              <a:t>3/18/22</a:t>
             </a:fld>
             <a:endParaRPr lang="en-US" dirty="0"/>
           </a:p>
@@ -3431,7 +3431,7 @@
           <a:p>
             <a:fld id="{7E18DB4A-8810-4A10-AD5C-D5E2C667F5B3}" type="datetime1">
               <a:rPr lang="en-US" smtClean="0"/>
-              <a:t>3/16/22</a:t>
+              <a:t>3/18/22</a:t>
             </a:fld>
             <a:endParaRPr lang="en-US" dirty="0"/>
           </a:p>
@@ -3646,7 +3646,7 @@
           <a:p>
             <a:fld id="{ED291B17-9318-49DB-B28B-6E5994AE9581}" type="datetime1">
               <a:rPr lang="en-US" smtClean="0"/>
-              <a:t>3/16/22</a:t>
+              <a:t>3/18/22</a:t>
             </a:fld>
             <a:endParaRPr lang="en-US" dirty="0"/>
           </a:p>
@@ -4529,7 +4529,7 @@
                   <a:schemeClr val="tx1"/>
                 </a:solidFill>
               </a:rPr>
-              <a:t>16,800 Rows + 21 Columns</a:t>
+              <a:t>175,000 Rows + 21 Columns</a:t>
             </a:r>
           </a:p>
           <a:p>
